--- a/gilbert/images/maximumVectorwiseTransformation.pptx
+++ b/gilbert/images/maximumVectorwiseTransformation.pptx
@@ -289,7 +289,7 @@
             <a:fld id="{CD66EB5A-4F37-441C-A97C-356D4BF20A1B}" type="datetimeFigureOut">
               <a:rPr lang="de-DE" smtClean="0"/>
               <a:pPr/>
-              <a:t>09/06/14</a:t>
+              <a:t>11/08/14</a:t>
             </a:fld>
             <a:endParaRPr lang="de-DE"/>
           </a:p>
@@ -456,7 +456,7 @@
             <a:fld id="{CD66EB5A-4F37-441C-A97C-356D4BF20A1B}" type="datetimeFigureOut">
               <a:rPr lang="de-DE" smtClean="0"/>
               <a:pPr/>
-              <a:t>09/06/14</a:t>
+              <a:t>11/08/14</a:t>
             </a:fld>
             <a:endParaRPr lang="de-DE"/>
           </a:p>
@@ -633,7 +633,7 @@
             <a:fld id="{CD66EB5A-4F37-441C-A97C-356D4BF20A1B}" type="datetimeFigureOut">
               <a:rPr lang="de-DE" smtClean="0"/>
               <a:pPr/>
-              <a:t>09/06/14</a:t>
+              <a:t>11/08/14</a:t>
             </a:fld>
             <a:endParaRPr lang="de-DE"/>
           </a:p>
@@ -800,7 +800,7 @@
             <a:fld id="{CD66EB5A-4F37-441C-A97C-356D4BF20A1B}" type="datetimeFigureOut">
               <a:rPr lang="de-DE" smtClean="0"/>
               <a:pPr/>
-              <a:t>09/06/14</a:t>
+              <a:t>11/08/14</a:t>
             </a:fld>
             <a:endParaRPr lang="de-DE"/>
           </a:p>
@@ -1043,7 +1043,7 @@
             <a:fld id="{CD66EB5A-4F37-441C-A97C-356D4BF20A1B}" type="datetimeFigureOut">
               <a:rPr lang="de-DE" smtClean="0"/>
               <a:pPr/>
-              <a:t>09/06/14</a:t>
+              <a:t>11/08/14</a:t>
             </a:fld>
             <a:endParaRPr lang="de-DE"/>
           </a:p>
@@ -1328,7 +1328,7 @@
             <a:fld id="{CD66EB5A-4F37-441C-A97C-356D4BF20A1B}" type="datetimeFigureOut">
               <a:rPr lang="de-DE" smtClean="0"/>
               <a:pPr/>
-              <a:t>09/06/14</a:t>
+              <a:t>11/08/14</a:t>
             </a:fld>
             <a:endParaRPr lang="de-DE"/>
           </a:p>
@@ -1747,7 +1747,7 @@
             <a:fld id="{CD66EB5A-4F37-441C-A97C-356D4BF20A1B}" type="datetimeFigureOut">
               <a:rPr lang="de-DE" smtClean="0"/>
               <a:pPr/>
-              <a:t>09/06/14</a:t>
+              <a:t>11/08/14</a:t>
             </a:fld>
             <a:endParaRPr lang="de-DE"/>
           </a:p>
@@ -1862,7 +1862,7 @@
             <a:fld id="{CD66EB5A-4F37-441C-A97C-356D4BF20A1B}" type="datetimeFigureOut">
               <a:rPr lang="de-DE" smtClean="0"/>
               <a:pPr/>
-              <a:t>09/06/14</a:t>
+              <a:t>11/08/14</a:t>
             </a:fld>
             <a:endParaRPr lang="de-DE"/>
           </a:p>
@@ -1954,7 +1954,7 @@
             <a:fld id="{CD66EB5A-4F37-441C-A97C-356D4BF20A1B}" type="datetimeFigureOut">
               <a:rPr lang="de-DE" smtClean="0"/>
               <a:pPr/>
-              <a:t>09/06/14</a:t>
+              <a:t>11/08/14</a:t>
             </a:fld>
             <a:endParaRPr lang="de-DE"/>
           </a:p>
@@ -2228,7 +2228,7 @@
             <a:fld id="{CD66EB5A-4F37-441C-A97C-356D4BF20A1B}" type="datetimeFigureOut">
               <a:rPr lang="de-DE" smtClean="0"/>
               <a:pPr/>
-              <a:t>09/06/14</a:t>
+              <a:t>11/08/14</a:t>
             </a:fld>
             <a:endParaRPr lang="de-DE"/>
           </a:p>
@@ -2478,7 +2478,7 @@
             <a:fld id="{CD66EB5A-4F37-441C-A97C-356D4BF20A1B}" type="datetimeFigureOut">
               <a:rPr lang="de-DE" smtClean="0"/>
               <a:pPr/>
-              <a:t>09/06/14</a:t>
+              <a:t>11/08/14</a:t>
             </a:fld>
             <a:endParaRPr lang="de-DE"/>
           </a:p>
@@ -2688,7 +2688,7 @@
             <a:fld id="{CD66EB5A-4F37-441C-A97C-356D4BF20A1B}" type="datetimeFigureOut">
               <a:rPr lang="de-DE" smtClean="0"/>
               <a:pPr/>
-              <a:t>09/06/14</a:t>
+              <a:t>11/08/14</a:t>
             </a:fld>
             <a:endParaRPr lang="de-DE"/>
           </a:p>
@@ -3067,8 +3067,8 @@
         </p:nvSpPr>
         <p:spPr>
           <a:xfrm>
-            <a:off x="2267744" y="2060848"/>
-            <a:ext cx="4536504" cy="785818"/>
+            <a:off x="2987824" y="3717032"/>
+            <a:ext cx="3096344" cy="785818"/>
           </a:xfrm>
           <a:prstGeom prst="roundRect">
             <a:avLst/>
@@ -3109,7 +3109,7 @@
                   <a:schemeClr val="tx1"/>
                 </a:solidFill>
               </a:rPr>
-              <a:t>join</a:t>
+              <a:t>map</a:t>
             </a:r>
             <a:endParaRPr lang="de-DE" b="1" dirty="0" smtClean="0">
               <a:solidFill>
@@ -3135,8 +3135,8 @@
         </p:nvSpPr>
         <p:spPr>
           <a:xfrm>
-            <a:off x="2915816" y="3140968"/>
-            <a:ext cx="1152128" cy="1152128"/>
+            <a:off x="4067944" y="4797152"/>
+            <a:ext cx="1000702" cy="1008112"/>
           </a:xfrm>
           <a:prstGeom prst="ellipse">
             <a:avLst/>
@@ -3172,28 +3172,12 @@
           <a:p>
             <a:pPr algn="ctr"/>
             <a:r>
-              <a:rPr lang="de-DE" sz="2200" b="1" dirty="0" err="1">
-                <a:solidFill>
-                  <a:schemeClr val="tx1"/>
-                </a:solidFill>
-              </a:rPr>
-              <a:t>m</a:t>
-            </a:r>
-            <a:r>
               <a:rPr lang="de-DE" sz="2200" b="1" dirty="0" err="1" smtClean="0">
                 <a:solidFill>
                   <a:schemeClr val="tx1"/>
                 </a:solidFill>
               </a:rPr>
-              <a:t>atrix</a:t>
-            </a:r>
-            <a:r>
-              <a:rPr lang="de-DE" sz="2200" b="1" dirty="0" smtClean="0">
-                <a:solidFill>
-                  <a:schemeClr val="tx1"/>
-                </a:solidFill>
-              </a:rPr>
-              <a:t> A</a:t>
+              <a:t>matrix</a:t>
             </a:r>
             <a:endParaRPr lang="de-DE" sz="2200" b="1" dirty="0" smtClean="0">
               <a:solidFill>
@@ -3211,7 +3195,7 @@
         </p:nvCxnSpPr>
         <p:spPr>
           <a:xfrm flipV="1">
-            <a:off x="3491880" y="2852936"/>
+            <a:off x="4572000" y="4509120"/>
             <a:ext cx="8929" cy="273212"/>
           </a:xfrm>
           <a:prstGeom prst="straightConnector1">
@@ -3249,25 +3233,25 @@
           <p:nvPr>
             <p:extLst>
               <p:ext uri="{D42A27DB-BD31-4B8C-83A1-F6EECF244321}">
-                <p14:modId xmlns:p14="http://schemas.microsoft.com/office/powerpoint/2010/main" val="772210515"/>
+                <p14:modId xmlns:p14="http://schemas.microsoft.com/office/powerpoint/2010/main" val="1128911320"/>
               </p:ext>
             </p:extLst>
           </p:nvPr>
         </p:nvGraphicFramePr>
         <p:xfrm>
-          <a:off x="2501900" y="2466975"/>
-          <a:ext cx="4076700" cy="330200"/>
+          <a:off x="3460750" y="4154488"/>
+          <a:ext cx="2159000" cy="266700"/>
         </p:xfrm>
         <a:graphic>
           <a:graphicData uri="http://schemas.openxmlformats.org/presentationml/2006/ole">
             <mc:AlternateContent xmlns:mc="http://schemas.openxmlformats.org/markup-compatibility/2006">
               <mc:Choice xmlns:v="urn:schemas-microsoft-com:vml" Requires="v">
-                <p:oleObj spid="_x0000_s1085" name="Equation" r:id="rId3" imgW="4076700" imgH="330200" progId="Equation.3">
+                <p:oleObj spid="_x0000_s1084" name="Equation" r:id="rId3" imgW="2159000" imgH="266700" progId="Equation.3">
                   <p:embed/>
                 </p:oleObj>
               </mc:Choice>
               <mc:Fallback>
-                <p:oleObj name="Equation" r:id="rId3" imgW="4076700" imgH="330200" progId="Equation.3">
+                <p:oleObj name="Equation" r:id="rId3" imgW="2159000" imgH="266700" progId="Equation.3">
                   <p:embed/>
                   <p:pic>
                     <p:nvPicPr>
@@ -3283,8 +3267,8 @@
                     </p:blipFill>
                     <p:spPr>
                       <a:xfrm>
-                        <a:off x="2501900" y="2466975"/>
-                        <a:ext cx="4076700" cy="330200"/>
+                        <a:off x="3460750" y="4154488"/>
+                        <a:ext cx="2159000" cy="266700"/>
                       </a:xfrm>
                       <a:prstGeom prst="rect">
                         <a:avLst/>
@@ -3306,20 +3290,20 @@
           <p:nvPr>
             <p:extLst>
               <p:ext uri="{D42A27DB-BD31-4B8C-83A1-F6EECF244321}">
-                <p14:modId xmlns:p14="http://schemas.microsoft.com/office/powerpoint/2010/main" val="1102395105"/>
+                <p14:modId xmlns:p14="http://schemas.microsoft.com/office/powerpoint/2010/main" val="3660730586"/>
               </p:ext>
             </p:extLst>
           </p:nvPr>
         </p:nvGraphicFramePr>
         <p:xfrm>
-          <a:off x="2267744" y="4293096"/>
+          <a:off x="3419872" y="5805264"/>
           <a:ext cx="2120900" cy="279400"/>
         </p:xfrm>
         <a:graphic>
           <a:graphicData uri="http://schemas.openxmlformats.org/presentationml/2006/ole">
             <mc:AlternateContent xmlns:mc="http://schemas.openxmlformats.org/markup-compatibility/2006">
               <mc:Choice xmlns:v="urn:schemas-microsoft-com:vml" Requires="v">
-                <p:oleObj spid="_x0000_s1086" name="Equation" r:id="rId5" imgW="2120900" imgH="279400" progId="Equation.3">
+                <p:oleObj spid="_x0000_s1085" name="Equation" r:id="rId5" imgW="2120900" imgH="279400" progId="Equation.3">
                   <p:embed/>
                 </p:oleObj>
               </mc:Choice>
@@ -3340,7 +3324,7 @@
                     </p:blipFill>
                     <p:spPr>
                       <a:xfrm>
-                        <a:off x="2267744" y="4293096"/>
+                        <a:off x="3419872" y="5805264"/>
                         <a:ext cx="2120900" cy="279400"/>
                       </a:xfrm>
                       <a:prstGeom prst="rect">
@@ -3356,20 +3340,20 @@
       </p:graphicFrame>
       <p:sp>
         <p:nvSpPr>
-          <p:cNvPr id="29" name="Oval 28"/>
+          <p:cNvPr id="8" name="Rounded Rectangle 8"/>
           <p:cNvSpPr/>
           <p:nvPr/>
         </p:nvSpPr>
         <p:spPr>
           <a:xfrm>
-            <a:off x="5076056" y="3140968"/>
-            <a:ext cx="1144718" cy="1152128"/>
+            <a:off x="2987824" y="2636912"/>
+            <a:ext cx="3096344" cy="785818"/>
           </a:xfrm>
-          <a:prstGeom prst="ellipse">
+          <a:prstGeom prst="roundRect">
             <a:avLst/>
           </a:prstGeom>
           <a:solidFill>
-            <a:schemeClr val="bg1"/>
+            <a:srgbClr val="C6D9F1"/>
           </a:solidFill>
           <a:ln>
             <a:solidFill>
@@ -3399,46 +3383,38 @@
           <a:p>
             <a:pPr algn="ctr"/>
             <a:r>
-              <a:rPr lang="de-DE" sz="2200" b="1" dirty="0" err="1">
+              <a:rPr lang="de-DE" b="1" dirty="0" err="1" smtClean="0">
                 <a:solidFill>
                   <a:schemeClr val="tx1"/>
                 </a:solidFill>
               </a:rPr>
-              <a:t>m</a:t>
-            </a:r>
-            <a:r>
-              <a:rPr lang="de-DE" sz="2200" b="1" dirty="0" err="1" smtClean="0">
-                <a:solidFill>
-                  <a:schemeClr val="tx1"/>
-                </a:solidFill>
-              </a:rPr>
-              <a:t>atrix</a:t>
-            </a:r>
-            <a:r>
-              <a:rPr lang="de-DE" sz="2200" b="1" dirty="0" smtClean="0">
-                <a:solidFill>
-                  <a:schemeClr val="tx1"/>
-                </a:solidFill>
-              </a:rPr>
-              <a:t> B</a:t>
-            </a:r>
-            <a:endParaRPr lang="de-DE" sz="2200" b="1" dirty="0" smtClean="0">
+              <a:t>groupBy</a:t>
+            </a:r>
+            <a:endParaRPr lang="de-DE" b="1" dirty="0" smtClean="0">
               <a:solidFill>
                 <a:schemeClr val="tx1"/>
               </a:solidFill>
             </a:endParaRPr>
           </a:p>
+          <a:p>
+            <a:pPr algn="ctr"/>
+            <a:endParaRPr lang="de-DE" b="1" dirty="0" smtClean="0">
+              <a:solidFill>
+                <a:schemeClr val="tx1"/>
+              </a:solidFill>
+            </a:endParaRPr>
+          </a:p>
         </p:txBody>
       </p:sp>
       <p:cxnSp>
         <p:nvCxnSpPr>
-          <p:cNvPr id="31" name="Straight Arrow Connector 14"/>
+          <p:cNvPr id="10" name="Straight Arrow Connector 14"/>
           <p:cNvCxnSpPr/>
           <p:nvPr/>
         </p:nvCxnSpPr>
         <p:spPr>
           <a:xfrm flipV="1">
-            <a:off x="5652120" y="2852936"/>
+            <a:off x="4572000" y="3429000"/>
             <a:ext cx="8929" cy="273212"/>
           </a:xfrm>
           <a:prstGeom prst="straightConnector1">
@@ -3469,32 +3445,32 @@
       </p:cxnSp>
       <p:graphicFrame>
         <p:nvGraphicFramePr>
-          <p:cNvPr id="32" name="Objekt 31"/>
+          <p:cNvPr id="11" name="Objekt 10"/>
           <p:cNvGraphicFramePr>
             <a:graphicFrameLocks noChangeAspect="1"/>
           </p:cNvGraphicFramePr>
           <p:nvPr>
             <p:extLst>
               <p:ext uri="{D42A27DB-BD31-4B8C-83A1-F6EECF244321}">
-                <p14:modId xmlns:p14="http://schemas.microsoft.com/office/powerpoint/2010/main" val="2477302486"/>
+                <p14:modId xmlns:p14="http://schemas.microsoft.com/office/powerpoint/2010/main" val="4043695281"/>
               </p:ext>
             </p:extLst>
           </p:nvPr>
         </p:nvGraphicFramePr>
         <p:xfrm>
-          <a:off x="4572000" y="4293096"/>
-          <a:ext cx="2120900" cy="279400"/>
+          <a:off x="4191000" y="3094038"/>
+          <a:ext cx="698500" cy="228600"/>
         </p:xfrm>
         <a:graphic>
           <a:graphicData uri="http://schemas.openxmlformats.org/presentationml/2006/ole">
             <mc:AlternateContent xmlns:mc="http://schemas.openxmlformats.org/markup-compatibility/2006">
               <mc:Choice xmlns:v="urn:schemas-microsoft-com:vml" Requires="v">
-                <p:oleObj spid="_x0000_s1087" name="Equation" r:id="rId7" imgW="2120900" imgH="279400" progId="Equation.3">
+                <p:oleObj spid="_x0000_s1086" name="Equation" r:id="rId7" imgW="698500" imgH="228600" progId="Equation.3">
                   <p:embed/>
                 </p:oleObj>
               </mc:Choice>
               <mc:Fallback>
-                <p:oleObj name="Equation" r:id="rId7" imgW="2120900" imgH="279400" progId="Equation.3">
+                <p:oleObj name="Equation" r:id="rId7" imgW="698500" imgH="228600" progId="Equation.3">
                   <p:embed/>
                   <p:pic>
                     <p:nvPicPr>
@@ -3510,8 +3486,8 @@
                     </p:blipFill>
                     <p:spPr>
                       <a:xfrm>
-                        <a:off x="4572000" y="4293096"/>
-                        <a:ext cx="2120900" cy="279400"/>
+                        <a:off x="4191000" y="3094038"/>
+                        <a:ext cx="698500" cy="228600"/>
                       </a:xfrm>
                       <a:prstGeom prst="rect">
                         <a:avLst/>
@@ -3524,53 +3500,16 @@
           </a:graphicData>
         </a:graphic>
       </p:graphicFrame>
-      <p:cxnSp>
-        <p:nvCxnSpPr>
-          <p:cNvPr id="33" name="Straight Arrow Connector 14"/>
-          <p:cNvCxnSpPr/>
-          <p:nvPr/>
-        </p:nvCxnSpPr>
-        <p:spPr>
-          <a:xfrm flipV="1">
-            <a:off x="4499992" y="1772816"/>
-            <a:ext cx="8929" cy="273212"/>
-          </a:xfrm>
-          <a:prstGeom prst="straightConnector1">
-            <a:avLst/>
-          </a:prstGeom>
-          <a:ln w="25400">
-            <a:solidFill>
-              <a:schemeClr val="tx1"/>
-            </a:solidFill>
-            <a:prstDash val="solid"/>
-            <a:tailEnd type="triangle" w="lg" len="lg"/>
-          </a:ln>
-        </p:spPr>
-        <p:style>
-          <a:lnRef idx="1">
-            <a:schemeClr val="accent1"/>
-          </a:lnRef>
-          <a:fillRef idx="0">
-            <a:schemeClr val="accent1"/>
-          </a:fillRef>
-          <a:effectRef idx="0">
-            <a:schemeClr val="accent1"/>
-          </a:effectRef>
-          <a:fontRef idx="minor">
-            <a:schemeClr val="tx1"/>
-          </a:fontRef>
-        </p:style>
-      </p:cxnSp>
-      <p:sp>
-        <p:nvSpPr>
-          <p:cNvPr id="34" name="Rounded Rectangle 8"/>
+      <p:sp>
+        <p:nvSpPr>
+          <p:cNvPr id="12" name="Rounded Rectangle 8"/>
           <p:cNvSpPr/>
           <p:nvPr/>
         </p:nvSpPr>
         <p:spPr>
           <a:xfrm>
-            <a:off x="2267744" y="980728"/>
-            <a:ext cx="4536504" cy="785818"/>
+            <a:off x="2987824" y="1556792"/>
+            <a:ext cx="3096344" cy="785818"/>
           </a:xfrm>
           <a:prstGeom prst="roundRect">
             <a:avLst/>
@@ -3629,34 +3568,71 @@
           </a:p>
         </p:txBody>
       </p:sp>
+      <p:cxnSp>
+        <p:nvCxnSpPr>
+          <p:cNvPr id="13" name="Straight Arrow Connector 14"/>
+          <p:cNvCxnSpPr/>
+          <p:nvPr/>
+        </p:nvCxnSpPr>
+        <p:spPr>
+          <a:xfrm flipV="1">
+            <a:off x="4572000" y="2348880"/>
+            <a:ext cx="8929" cy="273212"/>
+          </a:xfrm>
+          <a:prstGeom prst="straightConnector1">
+            <a:avLst/>
+          </a:prstGeom>
+          <a:ln w="25400">
+            <a:solidFill>
+              <a:schemeClr val="tx1"/>
+            </a:solidFill>
+            <a:prstDash val="solid"/>
+            <a:tailEnd type="triangle" w="lg" len="lg"/>
+          </a:ln>
+        </p:spPr>
+        <p:style>
+          <a:lnRef idx="1">
+            <a:schemeClr val="accent1"/>
+          </a:lnRef>
+          <a:fillRef idx="0">
+            <a:schemeClr val="accent1"/>
+          </a:fillRef>
+          <a:effectRef idx="0">
+            <a:schemeClr val="accent1"/>
+          </a:effectRef>
+          <a:fontRef idx="minor">
+            <a:schemeClr val="tx1"/>
+          </a:fontRef>
+        </p:style>
+      </p:cxnSp>
       <p:graphicFrame>
         <p:nvGraphicFramePr>
-          <p:cNvPr id="35" name="Objekt 34"/>
+          <p:cNvPr id="15" name="Objekt 14"/>
           <p:cNvGraphicFramePr>
             <a:graphicFrameLocks noChangeAspect="1"/>
           </p:cNvGraphicFramePr>
           <p:nvPr>
             <p:extLst>
               <p:ext uri="{D42A27DB-BD31-4B8C-83A1-F6EECF244321}">
-                <p14:modId xmlns:p14="http://schemas.microsoft.com/office/powerpoint/2010/main" val="3470886167"/>
+                <p14:modId xmlns:p14="http://schemas.microsoft.com/office/powerpoint/2010/main" val="1221781980"/>
               </p:ext>
             </p:extLst>
           </p:nvPr>
         </p:nvGraphicFramePr>
         <p:xfrm>
-          <a:off x="3038475" y="1316038"/>
-          <a:ext cx="3111500" cy="381000"/>
+          <a:off x="3397250" y="1962150"/>
+          <a:ext cx="2286000" cy="330200"/>
         </p:xfrm>
         <a:graphic>
           <a:graphicData uri="http://schemas.openxmlformats.org/presentationml/2006/ole">
             <mc:AlternateContent xmlns:mc="http://schemas.openxmlformats.org/markup-compatibility/2006">
               <mc:Choice xmlns:v="urn:schemas-microsoft-com:vml" Requires="v">
-                <p:oleObj spid="_x0000_s1088" name="Equation" r:id="rId9" imgW="3111500" imgH="381000" progId="Equation.3">
+                <p:oleObj spid="_x0000_s1087" name="Equation" r:id="rId9" imgW="2286000" imgH="330200" progId="Equation.3">
                   <p:embed/>
                 </p:oleObj>
               </mc:Choice>
               <mc:Fallback>
-                <p:oleObj name="Equation" r:id="rId9" imgW="3111500" imgH="381000" progId="Equation.3">
+                <p:oleObj name="Equation" r:id="rId9" imgW="2286000" imgH="330200" progId="Equation.3">
                   <p:embed/>
                   <p:pic>
                     <p:nvPicPr>
@@ -3672,8 +3648,8 @@
                     </p:blipFill>
                     <p:spPr>
                       <a:xfrm>
-                        <a:off x="3038475" y="1316038"/>
-                        <a:ext cx="3111500" cy="381000"/>
+                        <a:off x="3397250" y="1962150"/>
+                        <a:ext cx="2286000" cy="330200"/>
                       </a:xfrm>
                       <a:prstGeom prst="rect">
                         <a:avLst/>
